--- a/SG200X/02_SG200X_Common_HW_DOC/01_SOPHGO_Troubleshooting_Reference_for_Common_EMI_Issues/01_SOPHGO_Troubleshooting_Reference_for_Common_EMI_Issues_CN.pptx
+++ b/SG200X/02_SG200X_Common_HW_DOC/01_SOPHGO_Troubleshooting_Reference_for_Common_EMI_Issues/01_SOPHGO_Troubleshooting_Reference_for_Common_EMI_Issues_CN.pptx
@@ -10408,6 +10408,14 @@
                 <a:cs typeface="宋体" panose="02010600030101010101" pitchFamily="2" charset="-122"/>
               </a:rPr>
               <a:t>改变此模块的工作频点</a:t>
+            </a:r>
+            <a:r>
+              <a:rPr lang="en-US" altLang="zh-CN" sz="2400" dirty="0">
+                <a:latin typeface="宋体" panose="02010600030101010101" pitchFamily="2" charset="-122"/>
+                <a:ea typeface="宋体" panose="02010600030101010101" pitchFamily="2" charset="-122"/>
+                <a:cs typeface="宋体" panose="02010600030101010101" pitchFamily="2" charset="-122"/>
+              </a:rPr>
+              <a:t> </a:t>
             </a:r>
             <a:endParaRPr lang="zh-CN" altLang="en-US" sz="2400" dirty="0">
               <a:latin typeface="宋体" panose="02010600030101010101" pitchFamily="2" charset="-122"/>
